--- a/Präsi/Zwischenstand SW6.pptx
+++ b/Präsi/Zwischenstand SW6.pptx
@@ -115,6 +115,11 @@
       </a:defRPr>
     </a:lvl9pPr>
   </p:defaultTextStyle>
+  <p:extLst>
+    <p:ext uri="{EFAFB233-063F-42B5-8137-9DF3F51BA10A}">
+      <p15:sldGuideLst xmlns:p15="http://schemas.microsoft.com/office/powerpoint/2012/main"/>
+    </p:ext>
+  </p:extLst>
 </p:presentation>
 </file>
 
@@ -304,7 +309,7 @@
           <a:p>
             <a:fld id="{BAF4AE8D-B890-44D8-B75F-4DAF55BF1C56}" type="datetimeFigureOut">
               <a:rPr lang="de-DE" smtClean="0"/>
-              <a:t>25.04.2022</a:t>
+              <a:t>26.04.2022</a:t>
             </a:fld>
             <a:endParaRPr lang="de-DE"/>
           </a:p>
@@ -579,7 +584,7 @@
           <a:p>
             <a:fld id="{BAF4AE8D-B890-44D8-B75F-4DAF55BF1C56}" type="datetimeFigureOut">
               <a:rPr lang="de-DE" smtClean="0"/>
-              <a:t>25.04.2022</a:t>
+              <a:t>26.04.2022</a:t>
             </a:fld>
             <a:endParaRPr lang="de-DE"/>
           </a:p>
@@ -773,7 +778,7 @@
           <a:p>
             <a:fld id="{BAF4AE8D-B890-44D8-B75F-4DAF55BF1C56}" type="datetimeFigureOut">
               <a:rPr lang="de-DE" smtClean="0"/>
-              <a:t>25.04.2022</a:t>
+              <a:t>26.04.2022</a:t>
             </a:fld>
             <a:endParaRPr lang="de-DE"/>
           </a:p>
@@ -1046,7 +1051,7 @@
           <a:p>
             <a:fld id="{BAF4AE8D-B890-44D8-B75F-4DAF55BF1C56}" type="datetimeFigureOut">
               <a:rPr lang="de-DE" smtClean="0"/>
-              <a:t>25.04.2022</a:t>
+              <a:t>26.04.2022</a:t>
             </a:fld>
             <a:endParaRPr lang="de-DE"/>
           </a:p>
@@ -1387,7 +1392,7 @@
           <a:p>
             <a:fld id="{BAF4AE8D-B890-44D8-B75F-4DAF55BF1C56}" type="datetimeFigureOut">
               <a:rPr lang="de-DE" smtClean="0"/>
-              <a:t>25.04.2022</a:t>
+              <a:t>26.04.2022</a:t>
             </a:fld>
             <a:endParaRPr lang="de-DE"/>
           </a:p>
@@ -2010,7 +2015,7 @@
           <a:p>
             <a:fld id="{BAF4AE8D-B890-44D8-B75F-4DAF55BF1C56}" type="datetimeFigureOut">
               <a:rPr lang="de-DE" smtClean="0"/>
-              <a:t>25.04.2022</a:t>
+              <a:t>26.04.2022</a:t>
             </a:fld>
             <a:endParaRPr lang="de-DE"/>
           </a:p>
@@ -2870,7 +2875,7 @@
           <a:p>
             <a:fld id="{BAF4AE8D-B890-44D8-B75F-4DAF55BF1C56}" type="datetimeFigureOut">
               <a:rPr lang="de-DE" smtClean="0"/>
-              <a:t>25.04.2022</a:t>
+              <a:t>26.04.2022</a:t>
             </a:fld>
             <a:endParaRPr lang="de-DE"/>
           </a:p>
@@ -3040,7 +3045,7 @@
           <a:p>
             <a:fld id="{BAF4AE8D-B890-44D8-B75F-4DAF55BF1C56}" type="datetimeFigureOut">
               <a:rPr lang="de-DE" smtClean="0"/>
-              <a:t>25.04.2022</a:t>
+              <a:t>26.04.2022</a:t>
             </a:fld>
             <a:endParaRPr lang="de-DE"/>
           </a:p>
@@ -3220,7 +3225,7 @@
           <a:p>
             <a:fld id="{BAF4AE8D-B890-44D8-B75F-4DAF55BF1C56}" type="datetimeFigureOut">
               <a:rPr lang="de-DE" smtClean="0"/>
-              <a:t>25.04.2022</a:t>
+              <a:t>26.04.2022</a:t>
             </a:fld>
             <a:endParaRPr lang="de-DE"/>
           </a:p>
@@ -3390,7 +3395,7 @@
           <a:p>
             <a:fld id="{BAF4AE8D-B890-44D8-B75F-4DAF55BF1C56}" type="datetimeFigureOut">
               <a:rPr lang="de-DE" smtClean="0"/>
-              <a:t>25.04.2022</a:t>
+              <a:t>26.04.2022</a:t>
             </a:fld>
             <a:endParaRPr lang="de-DE"/>
           </a:p>
@@ -3637,7 +3642,7 @@
           <a:p>
             <a:fld id="{BAF4AE8D-B890-44D8-B75F-4DAF55BF1C56}" type="datetimeFigureOut">
               <a:rPr lang="de-DE" smtClean="0"/>
-              <a:t>25.04.2022</a:t>
+              <a:t>26.04.2022</a:t>
             </a:fld>
             <a:endParaRPr lang="de-DE"/>
           </a:p>
@@ -3929,7 +3934,7 @@
           <a:p>
             <a:fld id="{BAF4AE8D-B890-44D8-B75F-4DAF55BF1C56}" type="datetimeFigureOut">
               <a:rPr lang="de-DE" smtClean="0"/>
-              <a:t>25.04.2022</a:t>
+              <a:t>26.04.2022</a:t>
             </a:fld>
             <a:endParaRPr lang="de-DE"/>
           </a:p>
@@ -4373,7 +4378,7 @@
           <a:p>
             <a:fld id="{BAF4AE8D-B890-44D8-B75F-4DAF55BF1C56}" type="datetimeFigureOut">
               <a:rPr lang="de-DE" smtClean="0"/>
-              <a:t>25.04.2022</a:t>
+              <a:t>26.04.2022</a:t>
             </a:fld>
             <a:endParaRPr lang="de-DE"/>
           </a:p>
@@ -4491,7 +4496,7 @@
           <a:p>
             <a:fld id="{BAF4AE8D-B890-44D8-B75F-4DAF55BF1C56}" type="datetimeFigureOut">
               <a:rPr lang="de-DE" smtClean="0"/>
-              <a:t>25.04.2022</a:t>
+              <a:t>26.04.2022</a:t>
             </a:fld>
             <a:endParaRPr lang="de-DE"/>
           </a:p>
@@ -4586,7 +4591,7 @@
           <a:p>
             <a:fld id="{BAF4AE8D-B890-44D8-B75F-4DAF55BF1C56}" type="datetimeFigureOut">
               <a:rPr lang="de-DE" smtClean="0"/>
-              <a:t>25.04.2022</a:t>
+              <a:t>26.04.2022</a:t>
             </a:fld>
             <a:endParaRPr lang="de-DE"/>
           </a:p>
@@ -4865,7 +4870,7 @@
           <a:p>
             <a:fld id="{BAF4AE8D-B890-44D8-B75F-4DAF55BF1C56}" type="datetimeFigureOut">
               <a:rPr lang="de-DE" smtClean="0"/>
-              <a:t>25.04.2022</a:t>
+              <a:t>26.04.2022</a:t>
             </a:fld>
             <a:endParaRPr lang="de-DE"/>
           </a:p>
@@ -5140,7 +5145,7 @@
           <a:p>
             <a:fld id="{BAF4AE8D-B890-44D8-B75F-4DAF55BF1C56}" type="datetimeFigureOut">
               <a:rPr lang="de-DE" smtClean="0"/>
-              <a:t>25.04.2022</a:t>
+              <a:t>26.04.2022</a:t>
             </a:fld>
             <a:endParaRPr lang="de-DE"/>
           </a:p>
@@ -5569,7 +5574,7 @@
           <a:p>
             <a:fld id="{BAF4AE8D-B890-44D8-B75F-4DAF55BF1C56}" type="datetimeFigureOut">
               <a:rPr lang="de-DE" smtClean="0"/>
-              <a:t>25.04.2022</a:t>
+              <a:t>26.04.2022</a:t>
             </a:fld>
             <a:endParaRPr lang="de-DE"/>
           </a:p>
@@ -6227,8 +6232,8 @@
         </p:nvSpPr>
         <p:spPr>
           <a:xfrm>
-            <a:off x="9010182" y="1936377"/>
-            <a:ext cx="3432829" cy="3068376"/>
+            <a:off x="8648943" y="1615315"/>
+            <a:ext cx="3601870" cy="3627370"/>
           </a:xfrm>
           <a:prstGeom prst="rect">
             <a:avLst/>
@@ -6236,7 +6241,7 @@
         </p:spPr>
         <p:txBody>
           <a:bodyPr vert="horz" lIns="91440" tIns="45720" rIns="91440" bIns="45720" rtlCol="0">
-            <a:normAutofit fontScale="92500" lnSpcReduction="20000"/>
+            <a:normAutofit lnSpcReduction="10000"/>
           </a:bodyPr>
           <a:lstStyle>
             <a:lvl1pPr marL="342900" indent="-342900" algn="l" defTabSz="457200" rtl="0" eaLnBrk="1" latinLnBrk="0" hangingPunct="1">
@@ -6903,7 +6908,7 @@
           <a:p>
             <a:r>
               <a:rPr lang="de-DE" dirty="0"/>
-              <a:t>Grippe: Zwischen 2582 und 4174 verlorene gesunde Jahre</a:t>
+              <a:t>Grippe Männer: Zwischen 2.582 und 4.174 verlorene gesunde Jahre</a:t>
             </a:r>
           </a:p>
           <a:p>
@@ -6912,7 +6917,7 @@
           <a:p>
             <a:r>
               <a:rPr lang="de-DE" dirty="0"/>
-              <a:t>Corona: Zwischen 8242 und 16407 verlorene gesunde Jahre</a:t>
+              <a:t>Corona: Zwischen 8.242 und 16.407 verlorene gesunde Jahre</a:t>
             </a:r>
           </a:p>
           <a:p>
@@ -6921,7 +6926,7 @@
           <a:p>
             <a:r>
               <a:rPr lang="de-DE" dirty="0"/>
-              <a:t>Bei Frauen Grippe: Zwischen 3991 und 2683 verlorene gesunde Jahre</a:t>
+              <a:t>Frauen Grippe: Zwischen 3.991 und 2.683 verlorene gesunde Jahre</a:t>
             </a:r>
           </a:p>
           <a:p>
@@ -7022,6 +7027,810 @@
           </a:xfrm>
         </p:spPr>
       </p:pic>
+      <p:sp>
+        <p:nvSpPr>
+          <p:cNvPr id="4" name="Content Placeholder 2">
+            <a:extLst>
+              <a:ext uri="{FF2B5EF4-FFF2-40B4-BE49-F238E27FC236}">
+                <a16:creationId xmlns:a16="http://schemas.microsoft.com/office/drawing/2014/main" id="{B9BA90D9-8786-4E65-B8B1-CC294829C382}"/>
+              </a:ext>
+            </a:extLst>
+          </p:cNvPr>
+          <p:cNvSpPr txBox="1">
+            <a:spLocks/>
+          </p:cNvSpPr>
+          <p:nvPr/>
+        </p:nvSpPr>
+        <p:spPr>
+          <a:xfrm>
+            <a:off x="605285" y="4997166"/>
+            <a:ext cx="3432829" cy="3374611"/>
+          </a:xfrm>
+          <a:prstGeom prst="rect">
+            <a:avLst/>
+          </a:prstGeom>
+        </p:spPr>
+        <p:txBody>
+          <a:bodyPr vert="horz" lIns="91440" tIns="45720" rIns="91440" bIns="45720" rtlCol="0">
+            <a:normAutofit/>
+          </a:bodyPr>
+          <a:lstStyle>
+            <a:lvl1pPr marL="342900" indent="-342900" algn="l" defTabSz="457200" rtl="0" eaLnBrk="1" latinLnBrk="0" hangingPunct="1">
+              <a:spcBef>
+                <a:spcPts val="1000"/>
+              </a:spcBef>
+              <a:spcAft>
+                <a:spcPts val="0"/>
+              </a:spcAft>
+              <a:buClr>
+                <a:schemeClr val="bg2">
+                  <a:lumMod val="40000"/>
+                  <a:lumOff val="60000"/>
+                </a:schemeClr>
+              </a:buClr>
+              <a:buSzPct val="80000"/>
+              <a:buFont typeface="Wingdings 3" charset="2"/>
+              <a:buChar char=""/>
+              <a:defRPr sz="2000" b="0" i="0" kern="1200">
+                <a:solidFill>
+                  <a:schemeClr val="tx1"/>
+                </a:solidFill>
+                <a:latin typeface="+mj-lt"/>
+                <a:ea typeface="+mj-ea"/>
+                <a:cs typeface="+mj-cs"/>
+              </a:defRPr>
+            </a:lvl1pPr>
+            <a:lvl2pPr marL="742950" indent="-285750" algn="l" defTabSz="457200" rtl="0" eaLnBrk="1" latinLnBrk="0" hangingPunct="1">
+              <a:spcBef>
+                <a:spcPts val="1000"/>
+              </a:spcBef>
+              <a:spcAft>
+                <a:spcPts val="0"/>
+              </a:spcAft>
+              <a:buClr>
+                <a:schemeClr val="bg2">
+                  <a:lumMod val="40000"/>
+                  <a:lumOff val="60000"/>
+                </a:schemeClr>
+              </a:buClr>
+              <a:buSzPct val="80000"/>
+              <a:buFont typeface="Wingdings 3" charset="2"/>
+              <a:buChar char=""/>
+              <a:defRPr sz="1800" b="0" i="0" kern="1200">
+                <a:solidFill>
+                  <a:schemeClr val="tx1"/>
+                </a:solidFill>
+                <a:latin typeface="+mj-lt"/>
+                <a:ea typeface="+mj-ea"/>
+                <a:cs typeface="+mj-cs"/>
+              </a:defRPr>
+            </a:lvl2pPr>
+            <a:lvl3pPr marL="1143000" indent="-228600" algn="l" defTabSz="457200" rtl="0" eaLnBrk="1" latinLnBrk="0" hangingPunct="1">
+              <a:spcBef>
+                <a:spcPts val="1000"/>
+              </a:spcBef>
+              <a:spcAft>
+                <a:spcPts val="0"/>
+              </a:spcAft>
+              <a:buClr>
+                <a:schemeClr val="bg2">
+                  <a:lumMod val="40000"/>
+                  <a:lumOff val="60000"/>
+                </a:schemeClr>
+              </a:buClr>
+              <a:buSzPct val="80000"/>
+              <a:buFont typeface="Wingdings 3" charset="2"/>
+              <a:buChar char=""/>
+              <a:defRPr sz="1600" b="0" i="0" kern="1200">
+                <a:solidFill>
+                  <a:schemeClr val="tx1"/>
+                </a:solidFill>
+                <a:latin typeface="+mj-lt"/>
+                <a:ea typeface="+mj-ea"/>
+                <a:cs typeface="+mj-cs"/>
+              </a:defRPr>
+            </a:lvl3pPr>
+            <a:lvl4pPr marL="1600200" indent="-228600" algn="l" defTabSz="457200" rtl="0" eaLnBrk="1" latinLnBrk="0" hangingPunct="1">
+              <a:spcBef>
+                <a:spcPts val="1000"/>
+              </a:spcBef>
+              <a:spcAft>
+                <a:spcPts val="0"/>
+              </a:spcAft>
+              <a:buClr>
+                <a:schemeClr val="bg2">
+                  <a:lumMod val="40000"/>
+                  <a:lumOff val="60000"/>
+                </a:schemeClr>
+              </a:buClr>
+              <a:buSzPct val="80000"/>
+              <a:buFont typeface="Wingdings 3" charset="2"/>
+              <a:buChar char=""/>
+              <a:defRPr sz="1400" b="0" i="0" kern="1200">
+                <a:solidFill>
+                  <a:schemeClr val="tx1"/>
+                </a:solidFill>
+                <a:latin typeface="+mj-lt"/>
+                <a:ea typeface="+mj-ea"/>
+                <a:cs typeface="+mj-cs"/>
+              </a:defRPr>
+            </a:lvl4pPr>
+            <a:lvl5pPr marL="2057400" indent="-228600" algn="l" defTabSz="457200" rtl="0" eaLnBrk="1" latinLnBrk="0" hangingPunct="1">
+              <a:spcBef>
+                <a:spcPts val="1000"/>
+              </a:spcBef>
+              <a:spcAft>
+                <a:spcPts val="0"/>
+              </a:spcAft>
+              <a:buClr>
+                <a:schemeClr val="bg2">
+                  <a:lumMod val="40000"/>
+                  <a:lumOff val="60000"/>
+                </a:schemeClr>
+              </a:buClr>
+              <a:buSzPct val="80000"/>
+              <a:buFont typeface="Wingdings 3" charset="2"/>
+              <a:buChar char=""/>
+              <a:defRPr sz="1400" b="0" i="0" kern="1200">
+                <a:solidFill>
+                  <a:schemeClr val="tx1"/>
+                </a:solidFill>
+                <a:latin typeface="+mj-lt"/>
+                <a:ea typeface="+mj-ea"/>
+                <a:cs typeface="+mj-cs"/>
+              </a:defRPr>
+            </a:lvl5pPr>
+            <a:lvl6pPr marL="2506000" indent="-228600" algn="l" defTabSz="457200" rtl="0" eaLnBrk="1" latinLnBrk="0" hangingPunct="1">
+              <a:spcBef>
+                <a:spcPts val="1000"/>
+              </a:spcBef>
+              <a:spcAft>
+                <a:spcPts val="0"/>
+              </a:spcAft>
+              <a:buClr>
+                <a:schemeClr val="bg2">
+                  <a:lumMod val="40000"/>
+                  <a:lumOff val="60000"/>
+                </a:schemeClr>
+              </a:buClr>
+              <a:buSzPct val="80000"/>
+              <a:buFont typeface="Wingdings 3" charset="2"/>
+              <a:buChar char=""/>
+              <a:defRPr sz="1400" b="0" i="0" kern="1200">
+                <a:solidFill>
+                  <a:schemeClr val="tx1"/>
+                </a:solidFill>
+                <a:latin typeface="+mj-lt"/>
+                <a:ea typeface="+mj-ea"/>
+                <a:cs typeface="+mj-cs"/>
+              </a:defRPr>
+            </a:lvl6pPr>
+            <a:lvl7pPr marL="2971800" indent="-228600" algn="l" defTabSz="457200" rtl="0" eaLnBrk="1" latinLnBrk="0" hangingPunct="1">
+              <a:spcBef>
+                <a:spcPts val="1000"/>
+              </a:spcBef>
+              <a:spcAft>
+                <a:spcPts val="0"/>
+              </a:spcAft>
+              <a:buClr>
+                <a:schemeClr val="bg2">
+                  <a:lumMod val="40000"/>
+                  <a:lumOff val="60000"/>
+                </a:schemeClr>
+              </a:buClr>
+              <a:buSzPct val="80000"/>
+              <a:buFont typeface="Wingdings 3" charset="2"/>
+              <a:buChar char=""/>
+              <a:defRPr sz="1400" b="0" i="0" kern="1200">
+                <a:solidFill>
+                  <a:schemeClr val="tx1"/>
+                </a:solidFill>
+                <a:latin typeface="+mj-lt"/>
+                <a:ea typeface="+mj-ea"/>
+                <a:cs typeface="+mj-cs"/>
+              </a:defRPr>
+            </a:lvl7pPr>
+            <a:lvl8pPr marL="3429000" indent="-228600" algn="l" defTabSz="457200" rtl="0" eaLnBrk="1" latinLnBrk="0" hangingPunct="1">
+              <a:spcBef>
+                <a:spcPts val="1000"/>
+              </a:spcBef>
+              <a:spcAft>
+                <a:spcPts val="0"/>
+              </a:spcAft>
+              <a:buClr>
+                <a:schemeClr val="bg2">
+                  <a:lumMod val="40000"/>
+                  <a:lumOff val="60000"/>
+                </a:schemeClr>
+              </a:buClr>
+              <a:buSzPct val="80000"/>
+              <a:buFont typeface="Wingdings 3" charset="2"/>
+              <a:buChar char=""/>
+              <a:defRPr sz="1400" b="0" i="0" kern="1200">
+                <a:solidFill>
+                  <a:schemeClr val="tx1"/>
+                </a:solidFill>
+                <a:latin typeface="+mj-lt"/>
+                <a:ea typeface="+mj-ea"/>
+                <a:cs typeface="+mj-cs"/>
+              </a:defRPr>
+            </a:lvl8pPr>
+            <a:lvl9pPr marL="3886200" indent="-228600" algn="l" defTabSz="457200" rtl="0" eaLnBrk="1" latinLnBrk="0" hangingPunct="1">
+              <a:spcBef>
+                <a:spcPts val="1000"/>
+              </a:spcBef>
+              <a:spcAft>
+                <a:spcPts val="0"/>
+              </a:spcAft>
+              <a:buClr>
+                <a:schemeClr val="bg2">
+                  <a:lumMod val="40000"/>
+                  <a:lumOff val="60000"/>
+                </a:schemeClr>
+              </a:buClr>
+              <a:buSzPct val="80000"/>
+              <a:buFont typeface="Wingdings 3" charset="2"/>
+              <a:buChar char=""/>
+              <a:defRPr sz="1400" b="0" i="0" kern="1200">
+                <a:solidFill>
+                  <a:schemeClr val="tx1"/>
+                </a:solidFill>
+                <a:latin typeface="+mj-lt"/>
+                <a:ea typeface="+mj-ea"/>
+                <a:cs typeface="+mj-cs"/>
+              </a:defRPr>
+            </a:lvl9pPr>
+          </a:lstStyle>
+          <a:p>
+            <a:pPr marL="0" indent="0">
+              <a:buNone/>
+            </a:pPr>
+            <a:endParaRPr lang="de-DE" dirty="0"/>
+          </a:p>
+        </p:txBody>
+      </p:sp>
+      <p:sp>
+        <p:nvSpPr>
+          <p:cNvPr id="6" name="Content Placeholder 2">
+            <a:extLst>
+              <a:ext uri="{FF2B5EF4-FFF2-40B4-BE49-F238E27FC236}">
+                <a16:creationId xmlns:a16="http://schemas.microsoft.com/office/drawing/2014/main" id="{FD3C78ED-077E-4BD3-94D8-B1B0ACAAC0B7}"/>
+              </a:ext>
+            </a:extLst>
+          </p:cNvPr>
+          <p:cNvSpPr txBox="1">
+            <a:spLocks/>
+          </p:cNvSpPr>
+          <p:nvPr/>
+        </p:nvSpPr>
+        <p:spPr>
+          <a:xfrm>
+            <a:off x="284954" y="4571629"/>
+            <a:ext cx="3432829" cy="2172800"/>
+          </a:xfrm>
+          <a:prstGeom prst="rect">
+            <a:avLst/>
+          </a:prstGeom>
+        </p:spPr>
+        <p:txBody>
+          <a:bodyPr vert="horz" lIns="91440" tIns="45720" rIns="91440" bIns="45720" rtlCol="0">
+            <a:normAutofit lnSpcReduction="10000"/>
+          </a:bodyPr>
+          <a:lstStyle>
+            <a:lvl1pPr marL="342900" indent="-342900" algn="l" defTabSz="457200" rtl="0" eaLnBrk="1" latinLnBrk="0" hangingPunct="1">
+              <a:spcBef>
+                <a:spcPts val="1000"/>
+              </a:spcBef>
+              <a:spcAft>
+                <a:spcPts val="0"/>
+              </a:spcAft>
+              <a:buClr>
+                <a:schemeClr val="bg2">
+                  <a:lumMod val="40000"/>
+                  <a:lumOff val="60000"/>
+                </a:schemeClr>
+              </a:buClr>
+              <a:buSzPct val="80000"/>
+              <a:buFont typeface="Wingdings 3" charset="2"/>
+              <a:buChar char=""/>
+              <a:defRPr sz="2000" b="0" i="0" kern="1200">
+                <a:solidFill>
+                  <a:schemeClr val="tx1"/>
+                </a:solidFill>
+                <a:latin typeface="+mj-lt"/>
+                <a:ea typeface="+mj-ea"/>
+                <a:cs typeface="+mj-cs"/>
+              </a:defRPr>
+            </a:lvl1pPr>
+            <a:lvl2pPr marL="742950" indent="-285750" algn="l" defTabSz="457200" rtl="0" eaLnBrk="1" latinLnBrk="0" hangingPunct="1">
+              <a:spcBef>
+                <a:spcPts val="1000"/>
+              </a:spcBef>
+              <a:spcAft>
+                <a:spcPts val="0"/>
+              </a:spcAft>
+              <a:buClr>
+                <a:schemeClr val="bg2">
+                  <a:lumMod val="40000"/>
+                  <a:lumOff val="60000"/>
+                </a:schemeClr>
+              </a:buClr>
+              <a:buSzPct val="80000"/>
+              <a:buFont typeface="Wingdings 3" charset="2"/>
+              <a:buChar char=""/>
+              <a:defRPr sz="1800" b="0" i="0" kern="1200">
+                <a:solidFill>
+                  <a:schemeClr val="tx1"/>
+                </a:solidFill>
+                <a:latin typeface="+mj-lt"/>
+                <a:ea typeface="+mj-ea"/>
+                <a:cs typeface="+mj-cs"/>
+              </a:defRPr>
+            </a:lvl2pPr>
+            <a:lvl3pPr marL="1143000" indent="-228600" algn="l" defTabSz="457200" rtl="0" eaLnBrk="1" latinLnBrk="0" hangingPunct="1">
+              <a:spcBef>
+                <a:spcPts val="1000"/>
+              </a:spcBef>
+              <a:spcAft>
+                <a:spcPts val="0"/>
+              </a:spcAft>
+              <a:buClr>
+                <a:schemeClr val="bg2">
+                  <a:lumMod val="40000"/>
+                  <a:lumOff val="60000"/>
+                </a:schemeClr>
+              </a:buClr>
+              <a:buSzPct val="80000"/>
+              <a:buFont typeface="Wingdings 3" charset="2"/>
+              <a:buChar char=""/>
+              <a:defRPr sz="1600" b="0" i="0" kern="1200">
+                <a:solidFill>
+                  <a:schemeClr val="tx1"/>
+                </a:solidFill>
+                <a:latin typeface="+mj-lt"/>
+                <a:ea typeface="+mj-ea"/>
+                <a:cs typeface="+mj-cs"/>
+              </a:defRPr>
+            </a:lvl3pPr>
+            <a:lvl4pPr marL="1600200" indent="-228600" algn="l" defTabSz="457200" rtl="0" eaLnBrk="1" latinLnBrk="0" hangingPunct="1">
+              <a:spcBef>
+                <a:spcPts val="1000"/>
+              </a:spcBef>
+              <a:spcAft>
+                <a:spcPts val="0"/>
+              </a:spcAft>
+              <a:buClr>
+                <a:schemeClr val="bg2">
+                  <a:lumMod val="40000"/>
+                  <a:lumOff val="60000"/>
+                </a:schemeClr>
+              </a:buClr>
+              <a:buSzPct val="80000"/>
+              <a:buFont typeface="Wingdings 3" charset="2"/>
+              <a:buChar char=""/>
+              <a:defRPr sz="1400" b="0" i="0" kern="1200">
+                <a:solidFill>
+                  <a:schemeClr val="tx1"/>
+                </a:solidFill>
+                <a:latin typeface="+mj-lt"/>
+                <a:ea typeface="+mj-ea"/>
+                <a:cs typeface="+mj-cs"/>
+              </a:defRPr>
+            </a:lvl4pPr>
+            <a:lvl5pPr marL="2057400" indent="-228600" algn="l" defTabSz="457200" rtl="0" eaLnBrk="1" latinLnBrk="0" hangingPunct="1">
+              <a:spcBef>
+                <a:spcPts val="1000"/>
+              </a:spcBef>
+              <a:spcAft>
+                <a:spcPts val="0"/>
+              </a:spcAft>
+              <a:buClr>
+                <a:schemeClr val="bg2">
+                  <a:lumMod val="40000"/>
+                  <a:lumOff val="60000"/>
+                </a:schemeClr>
+              </a:buClr>
+              <a:buSzPct val="80000"/>
+              <a:buFont typeface="Wingdings 3" charset="2"/>
+              <a:buChar char=""/>
+              <a:defRPr sz="1400" b="0" i="0" kern="1200">
+                <a:solidFill>
+                  <a:schemeClr val="tx1"/>
+                </a:solidFill>
+                <a:latin typeface="+mj-lt"/>
+                <a:ea typeface="+mj-ea"/>
+                <a:cs typeface="+mj-cs"/>
+              </a:defRPr>
+            </a:lvl5pPr>
+            <a:lvl6pPr marL="2506000" indent="-228600" algn="l" defTabSz="457200" rtl="0" eaLnBrk="1" latinLnBrk="0" hangingPunct="1">
+              <a:spcBef>
+                <a:spcPts val="1000"/>
+              </a:spcBef>
+              <a:spcAft>
+                <a:spcPts val="0"/>
+              </a:spcAft>
+              <a:buClr>
+                <a:schemeClr val="bg2">
+                  <a:lumMod val="40000"/>
+                  <a:lumOff val="60000"/>
+                </a:schemeClr>
+              </a:buClr>
+              <a:buSzPct val="80000"/>
+              <a:buFont typeface="Wingdings 3" charset="2"/>
+              <a:buChar char=""/>
+              <a:defRPr sz="1400" b="0" i="0" kern="1200">
+                <a:solidFill>
+                  <a:schemeClr val="tx1"/>
+                </a:solidFill>
+                <a:latin typeface="+mj-lt"/>
+                <a:ea typeface="+mj-ea"/>
+                <a:cs typeface="+mj-cs"/>
+              </a:defRPr>
+            </a:lvl6pPr>
+            <a:lvl7pPr marL="2971800" indent="-228600" algn="l" defTabSz="457200" rtl="0" eaLnBrk="1" latinLnBrk="0" hangingPunct="1">
+              <a:spcBef>
+                <a:spcPts val="1000"/>
+              </a:spcBef>
+              <a:spcAft>
+                <a:spcPts val="0"/>
+              </a:spcAft>
+              <a:buClr>
+                <a:schemeClr val="bg2">
+                  <a:lumMod val="40000"/>
+                  <a:lumOff val="60000"/>
+                </a:schemeClr>
+              </a:buClr>
+              <a:buSzPct val="80000"/>
+              <a:buFont typeface="Wingdings 3" charset="2"/>
+              <a:buChar char=""/>
+              <a:defRPr sz="1400" b="0" i="0" kern="1200">
+                <a:solidFill>
+                  <a:schemeClr val="tx1"/>
+                </a:solidFill>
+                <a:latin typeface="+mj-lt"/>
+                <a:ea typeface="+mj-ea"/>
+                <a:cs typeface="+mj-cs"/>
+              </a:defRPr>
+            </a:lvl7pPr>
+            <a:lvl8pPr marL="3429000" indent="-228600" algn="l" defTabSz="457200" rtl="0" eaLnBrk="1" latinLnBrk="0" hangingPunct="1">
+              <a:spcBef>
+                <a:spcPts val="1000"/>
+              </a:spcBef>
+              <a:spcAft>
+                <a:spcPts val="0"/>
+              </a:spcAft>
+              <a:buClr>
+                <a:schemeClr val="bg2">
+                  <a:lumMod val="40000"/>
+                  <a:lumOff val="60000"/>
+                </a:schemeClr>
+              </a:buClr>
+              <a:buSzPct val="80000"/>
+              <a:buFont typeface="Wingdings 3" charset="2"/>
+              <a:buChar char=""/>
+              <a:defRPr sz="1400" b="0" i="0" kern="1200">
+                <a:solidFill>
+                  <a:schemeClr val="tx1"/>
+                </a:solidFill>
+                <a:latin typeface="+mj-lt"/>
+                <a:ea typeface="+mj-ea"/>
+                <a:cs typeface="+mj-cs"/>
+              </a:defRPr>
+            </a:lvl8pPr>
+            <a:lvl9pPr marL="3886200" indent="-228600" algn="l" defTabSz="457200" rtl="0" eaLnBrk="1" latinLnBrk="0" hangingPunct="1">
+              <a:spcBef>
+                <a:spcPts val="1000"/>
+              </a:spcBef>
+              <a:spcAft>
+                <a:spcPts val="0"/>
+              </a:spcAft>
+              <a:buClr>
+                <a:schemeClr val="bg2">
+                  <a:lumMod val="40000"/>
+                  <a:lumOff val="60000"/>
+                </a:schemeClr>
+              </a:buClr>
+              <a:buSzPct val="80000"/>
+              <a:buFont typeface="Wingdings 3" charset="2"/>
+              <a:buChar char=""/>
+              <a:defRPr sz="1400" b="0" i="0" kern="1200">
+                <a:solidFill>
+                  <a:schemeClr val="tx1"/>
+                </a:solidFill>
+                <a:latin typeface="+mj-lt"/>
+                <a:ea typeface="+mj-ea"/>
+                <a:cs typeface="+mj-cs"/>
+              </a:defRPr>
+            </a:lvl9pPr>
+          </a:lstStyle>
+          <a:p>
+            <a:pPr marL="0" indent="0">
+              <a:buNone/>
+            </a:pPr>
+            <a:endParaRPr lang="de-DE" dirty="0"/>
+          </a:p>
+          <a:p>
+            <a:r>
+              <a:rPr lang="de-DE" dirty="0"/>
+              <a:t>Alle ~2 Jahre starke Grippewelle</a:t>
+            </a:r>
+          </a:p>
+          <a:p>
+            <a:endParaRPr lang="de-DE" dirty="0"/>
+          </a:p>
+          <a:p>
+            <a:r>
+              <a:rPr lang="de-DE" dirty="0"/>
+              <a:t>Aber wie viele Tote sind es insgesamt?</a:t>
+            </a:r>
+          </a:p>
+        </p:txBody>
+      </p:sp>
+      <p:sp>
+        <p:nvSpPr>
+          <p:cNvPr id="7" name="Content Placeholder 2">
+            <a:extLst>
+              <a:ext uri="{FF2B5EF4-FFF2-40B4-BE49-F238E27FC236}">
+                <a16:creationId xmlns:a16="http://schemas.microsoft.com/office/drawing/2014/main" id="{0D74A03D-46EF-4B1D-A77A-501ADDC132C9}"/>
+              </a:ext>
+            </a:extLst>
+          </p:cNvPr>
+          <p:cNvSpPr txBox="1">
+            <a:spLocks/>
+          </p:cNvSpPr>
+          <p:nvPr/>
+        </p:nvSpPr>
+        <p:spPr>
+          <a:xfrm>
+            <a:off x="4601660" y="4571629"/>
+            <a:ext cx="3432829" cy="2172800"/>
+          </a:xfrm>
+          <a:prstGeom prst="rect">
+            <a:avLst/>
+          </a:prstGeom>
+        </p:spPr>
+        <p:txBody>
+          <a:bodyPr vert="horz" lIns="91440" tIns="45720" rIns="91440" bIns="45720" rtlCol="0">
+            <a:normAutofit/>
+          </a:bodyPr>
+          <a:lstStyle>
+            <a:lvl1pPr marL="342900" indent="-342900" algn="l" defTabSz="457200" rtl="0" eaLnBrk="1" latinLnBrk="0" hangingPunct="1">
+              <a:spcBef>
+                <a:spcPts val="1000"/>
+              </a:spcBef>
+              <a:spcAft>
+                <a:spcPts val="0"/>
+              </a:spcAft>
+              <a:buClr>
+                <a:schemeClr val="bg2">
+                  <a:lumMod val="40000"/>
+                  <a:lumOff val="60000"/>
+                </a:schemeClr>
+              </a:buClr>
+              <a:buSzPct val="80000"/>
+              <a:buFont typeface="Wingdings 3" charset="2"/>
+              <a:buChar char=""/>
+              <a:defRPr sz="2000" b="0" i="0" kern="1200">
+                <a:solidFill>
+                  <a:schemeClr val="tx1"/>
+                </a:solidFill>
+                <a:latin typeface="+mj-lt"/>
+                <a:ea typeface="+mj-ea"/>
+                <a:cs typeface="+mj-cs"/>
+              </a:defRPr>
+            </a:lvl1pPr>
+            <a:lvl2pPr marL="742950" indent="-285750" algn="l" defTabSz="457200" rtl="0" eaLnBrk="1" latinLnBrk="0" hangingPunct="1">
+              <a:spcBef>
+                <a:spcPts val="1000"/>
+              </a:spcBef>
+              <a:spcAft>
+                <a:spcPts val="0"/>
+              </a:spcAft>
+              <a:buClr>
+                <a:schemeClr val="bg2">
+                  <a:lumMod val="40000"/>
+                  <a:lumOff val="60000"/>
+                </a:schemeClr>
+              </a:buClr>
+              <a:buSzPct val="80000"/>
+              <a:buFont typeface="Wingdings 3" charset="2"/>
+              <a:buChar char=""/>
+              <a:defRPr sz="1800" b="0" i="0" kern="1200">
+                <a:solidFill>
+                  <a:schemeClr val="tx1"/>
+                </a:solidFill>
+                <a:latin typeface="+mj-lt"/>
+                <a:ea typeface="+mj-ea"/>
+                <a:cs typeface="+mj-cs"/>
+              </a:defRPr>
+            </a:lvl2pPr>
+            <a:lvl3pPr marL="1143000" indent="-228600" algn="l" defTabSz="457200" rtl="0" eaLnBrk="1" latinLnBrk="0" hangingPunct="1">
+              <a:spcBef>
+                <a:spcPts val="1000"/>
+              </a:spcBef>
+              <a:spcAft>
+                <a:spcPts val="0"/>
+              </a:spcAft>
+              <a:buClr>
+                <a:schemeClr val="bg2">
+                  <a:lumMod val="40000"/>
+                  <a:lumOff val="60000"/>
+                </a:schemeClr>
+              </a:buClr>
+              <a:buSzPct val="80000"/>
+              <a:buFont typeface="Wingdings 3" charset="2"/>
+              <a:buChar char=""/>
+              <a:defRPr sz="1600" b="0" i="0" kern="1200">
+                <a:solidFill>
+                  <a:schemeClr val="tx1"/>
+                </a:solidFill>
+                <a:latin typeface="+mj-lt"/>
+                <a:ea typeface="+mj-ea"/>
+                <a:cs typeface="+mj-cs"/>
+              </a:defRPr>
+            </a:lvl3pPr>
+            <a:lvl4pPr marL="1600200" indent="-228600" algn="l" defTabSz="457200" rtl="0" eaLnBrk="1" latinLnBrk="0" hangingPunct="1">
+              <a:spcBef>
+                <a:spcPts val="1000"/>
+              </a:spcBef>
+              <a:spcAft>
+                <a:spcPts val="0"/>
+              </a:spcAft>
+              <a:buClr>
+                <a:schemeClr val="bg2">
+                  <a:lumMod val="40000"/>
+                  <a:lumOff val="60000"/>
+                </a:schemeClr>
+              </a:buClr>
+              <a:buSzPct val="80000"/>
+              <a:buFont typeface="Wingdings 3" charset="2"/>
+              <a:buChar char=""/>
+              <a:defRPr sz="1400" b="0" i="0" kern="1200">
+                <a:solidFill>
+                  <a:schemeClr val="tx1"/>
+                </a:solidFill>
+                <a:latin typeface="+mj-lt"/>
+                <a:ea typeface="+mj-ea"/>
+                <a:cs typeface="+mj-cs"/>
+              </a:defRPr>
+            </a:lvl4pPr>
+            <a:lvl5pPr marL="2057400" indent="-228600" algn="l" defTabSz="457200" rtl="0" eaLnBrk="1" latinLnBrk="0" hangingPunct="1">
+              <a:spcBef>
+                <a:spcPts val="1000"/>
+              </a:spcBef>
+              <a:spcAft>
+                <a:spcPts val="0"/>
+              </a:spcAft>
+              <a:buClr>
+                <a:schemeClr val="bg2">
+                  <a:lumMod val="40000"/>
+                  <a:lumOff val="60000"/>
+                </a:schemeClr>
+              </a:buClr>
+              <a:buSzPct val="80000"/>
+              <a:buFont typeface="Wingdings 3" charset="2"/>
+              <a:buChar char=""/>
+              <a:defRPr sz="1400" b="0" i="0" kern="1200">
+                <a:solidFill>
+                  <a:schemeClr val="tx1"/>
+                </a:solidFill>
+                <a:latin typeface="+mj-lt"/>
+                <a:ea typeface="+mj-ea"/>
+                <a:cs typeface="+mj-cs"/>
+              </a:defRPr>
+            </a:lvl5pPr>
+            <a:lvl6pPr marL="2506000" indent="-228600" algn="l" defTabSz="457200" rtl="0" eaLnBrk="1" latinLnBrk="0" hangingPunct="1">
+              <a:spcBef>
+                <a:spcPts val="1000"/>
+              </a:spcBef>
+              <a:spcAft>
+                <a:spcPts val="0"/>
+              </a:spcAft>
+              <a:buClr>
+                <a:schemeClr val="bg2">
+                  <a:lumMod val="40000"/>
+                  <a:lumOff val="60000"/>
+                </a:schemeClr>
+              </a:buClr>
+              <a:buSzPct val="80000"/>
+              <a:buFont typeface="Wingdings 3" charset="2"/>
+              <a:buChar char=""/>
+              <a:defRPr sz="1400" b="0" i="0" kern="1200">
+                <a:solidFill>
+                  <a:schemeClr val="tx1"/>
+                </a:solidFill>
+                <a:latin typeface="+mj-lt"/>
+                <a:ea typeface="+mj-ea"/>
+                <a:cs typeface="+mj-cs"/>
+              </a:defRPr>
+            </a:lvl6pPr>
+            <a:lvl7pPr marL="2971800" indent="-228600" algn="l" defTabSz="457200" rtl="0" eaLnBrk="1" latinLnBrk="0" hangingPunct="1">
+              <a:spcBef>
+                <a:spcPts val="1000"/>
+              </a:spcBef>
+              <a:spcAft>
+                <a:spcPts val="0"/>
+              </a:spcAft>
+              <a:buClr>
+                <a:schemeClr val="bg2">
+                  <a:lumMod val="40000"/>
+                  <a:lumOff val="60000"/>
+                </a:schemeClr>
+              </a:buClr>
+              <a:buSzPct val="80000"/>
+              <a:buFont typeface="Wingdings 3" charset="2"/>
+              <a:buChar char=""/>
+              <a:defRPr sz="1400" b="0" i="0" kern="1200">
+                <a:solidFill>
+                  <a:schemeClr val="tx1"/>
+                </a:solidFill>
+                <a:latin typeface="+mj-lt"/>
+                <a:ea typeface="+mj-ea"/>
+                <a:cs typeface="+mj-cs"/>
+              </a:defRPr>
+            </a:lvl7pPr>
+            <a:lvl8pPr marL="3429000" indent="-228600" algn="l" defTabSz="457200" rtl="0" eaLnBrk="1" latinLnBrk="0" hangingPunct="1">
+              <a:spcBef>
+                <a:spcPts val="1000"/>
+              </a:spcBef>
+              <a:spcAft>
+                <a:spcPts val="0"/>
+              </a:spcAft>
+              <a:buClr>
+                <a:schemeClr val="bg2">
+                  <a:lumMod val="40000"/>
+                  <a:lumOff val="60000"/>
+                </a:schemeClr>
+              </a:buClr>
+              <a:buSzPct val="80000"/>
+              <a:buFont typeface="Wingdings 3" charset="2"/>
+              <a:buChar char=""/>
+              <a:defRPr sz="1400" b="0" i="0" kern="1200">
+                <a:solidFill>
+                  <a:schemeClr val="tx1"/>
+                </a:solidFill>
+                <a:latin typeface="+mj-lt"/>
+                <a:ea typeface="+mj-ea"/>
+                <a:cs typeface="+mj-cs"/>
+              </a:defRPr>
+            </a:lvl8pPr>
+            <a:lvl9pPr marL="3886200" indent="-228600" algn="l" defTabSz="457200" rtl="0" eaLnBrk="1" latinLnBrk="0" hangingPunct="1">
+              <a:spcBef>
+                <a:spcPts val="1000"/>
+              </a:spcBef>
+              <a:spcAft>
+                <a:spcPts val="0"/>
+              </a:spcAft>
+              <a:buClr>
+                <a:schemeClr val="bg2">
+                  <a:lumMod val="40000"/>
+                  <a:lumOff val="60000"/>
+                </a:schemeClr>
+              </a:buClr>
+              <a:buSzPct val="80000"/>
+              <a:buFont typeface="Wingdings 3" charset="2"/>
+              <a:buChar char=""/>
+              <a:defRPr sz="1400" b="0" i="0" kern="1200">
+                <a:solidFill>
+                  <a:schemeClr val="tx1"/>
+                </a:solidFill>
+                <a:latin typeface="+mj-lt"/>
+                <a:ea typeface="+mj-ea"/>
+                <a:cs typeface="+mj-cs"/>
+              </a:defRPr>
+            </a:lvl9pPr>
+          </a:lstStyle>
+          <a:p>
+            <a:pPr marL="0" indent="0">
+              <a:buNone/>
+            </a:pPr>
+            <a:endParaRPr lang="de-DE" dirty="0"/>
+          </a:p>
+          <a:p>
+            <a:endParaRPr lang="de-DE" dirty="0"/>
+          </a:p>
+        </p:txBody>
+      </p:sp>
     </p:spTree>
     <p:extLst>
       <p:ext uri="{BB962C8B-B14F-4D97-AF65-F5344CB8AC3E}">
@@ -7234,7 +8043,7 @@
           <a:p>
             <a:r>
               <a:rPr lang="de-DE" dirty="0"/>
-              <a:t>Validierung: 2019 -2022</a:t>
+              <a:t>Validierung: 2019 </a:t>
             </a:r>
           </a:p>
           <a:p>
@@ -7676,8 +8485,8 @@
         </p:nvSpPr>
         <p:spPr>
           <a:xfrm>
-            <a:off x="7495147" y="2263588"/>
-            <a:ext cx="4831323" cy="2330823"/>
+            <a:off x="7518444" y="2024796"/>
+            <a:ext cx="4831323" cy="3706221"/>
           </a:xfrm>
           <a:prstGeom prst="rect">
             <a:avLst/>
@@ -7685,7 +8494,7 @@
         </p:spPr>
         <p:txBody>
           <a:bodyPr vert="horz" lIns="91440" tIns="45720" rIns="91440" bIns="45720" rtlCol="0">
-            <a:normAutofit/>
+            <a:normAutofit fontScale="92500" lnSpcReduction="20000"/>
           </a:bodyPr>
           <a:lstStyle>
             <a:lvl1pPr marL="342900" indent="-342900" algn="l" defTabSz="457200" rtl="0" eaLnBrk="1" latinLnBrk="0" hangingPunct="1">
@@ -7917,16 +8726,48 @@
           <a:p>
             <a:r>
               <a:rPr lang="de-DE" dirty="0"/>
-              <a:t>Abweichung von 131051 Toten</a:t>
-            </a:r>
-          </a:p>
-          <a:p>
+              <a:t>Gradient </a:t>
+            </a:r>
+            <a:r>
+              <a:rPr lang="de-DE" dirty="0" err="1"/>
+              <a:t>Boosting</a:t>
+            </a:r>
             <a:endParaRPr lang="de-DE" dirty="0"/>
           </a:p>
           <a:p>
+            <a:endParaRPr lang="de-DE" dirty="0"/>
+          </a:p>
+          <a:p>
             <a:r>
               <a:rPr lang="de-DE" dirty="0"/>
-              <a:t>Durch Corona sind bisher134000 Menschen gestorben </a:t>
+              <a:t>Tatsächlich gestorbene: 2.255.853</a:t>
+            </a:r>
+          </a:p>
+          <a:p>
+            <a:endParaRPr lang="de-DE" dirty="0"/>
+          </a:p>
+          <a:p>
+            <a:r>
+              <a:rPr lang="de-DE" dirty="0"/>
+              <a:t>Berechnete gestorbene: 2.124.801</a:t>
+            </a:r>
+          </a:p>
+          <a:p>
+            <a:endParaRPr lang="de-DE" dirty="0"/>
+          </a:p>
+          <a:p>
+            <a:r>
+              <a:rPr lang="de-DE" dirty="0"/>
+              <a:t>Abweichung von 131.051 Toten</a:t>
+            </a:r>
+          </a:p>
+          <a:p>
+            <a:endParaRPr lang="de-DE" dirty="0"/>
+          </a:p>
+          <a:p>
+            <a:r>
+              <a:rPr lang="de-DE" dirty="0"/>
+              <a:t>Durch Corona sind bisher 134.000 Menschen gestorben </a:t>
             </a:r>
           </a:p>
         </p:txBody>

--- a/Präsi/Zwischenstand SW6.pptx
+++ b/Präsi/Zwischenstand SW6.pptx
@@ -6488,7 +6488,7 @@
           <a:p>
             <a:r>
               <a:rPr lang="de-DE" dirty="0"/>
-              <a:t>Minimale vs. Maximale verlorene gesunde Lebenszeit</a:t>
+              <a:t>Minimale vs. maximale verlorene gesunde Lebenszeit</a:t>
             </a:r>
           </a:p>
           <a:p>
@@ -6497,7 +6497,7 @@
           <a:p>
             <a:r>
               <a:rPr lang="de-DE" dirty="0"/>
-              <a:t>Zwischen 10769 und 5705 verlorenen gesunden Jahren</a:t>
+              <a:t>Zwischen 10.769 und 5.705 verlorenen gesunden Jahren</a:t>
             </a:r>
           </a:p>
           <a:p>
@@ -6628,7 +6628,7 @@
         </p:blipFill>
         <p:spPr>
           <a:xfrm>
-            <a:off x="646112" y="1225660"/>
+            <a:off x="424792" y="1382542"/>
             <a:ext cx="8049654" cy="5022740"/>
           </a:xfrm>
         </p:spPr>
@@ -6658,7 +6658,7 @@
         </p:spPr>
         <p:txBody>
           <a:bodyPr vert="horz" lIns="91440" tIns="45720" rIns="91440" bIns="45720" rtlCol="0">
-            <a:normAutofit fontScale="85000" lnSpcReduction="20000"/>
+            <a:normAutofit fontScale="92500" lnSpcReduction="20000"/>
           </a:bodyPr>
           <a:lstStyle>
             <a:lvl1pPr marL="342900" indent="-342900" algn="l" defTabSz="457200" rtl="0" eaLnBrk="1" latinLnBrk="0" hangingPunct="1">
@@ -6912,21 +6912,15 @@
             </a:r>
           </a:p>
           <a:p>
+            <a:pPr marL="0" indent="0">
+              <a:buNone/>
+            </a:pPr>
             <a:endParaRPr lang="de-DE" dirty="0"/>
           </a:p>
           <a:p>
             <a:r>
               <a:rPr lang="de-DE" dirty="0"/>
-              <a:t>Corona: Zwischen 8.242 und 16.407 verlorene gesunde Jahre</a:t>
-            </a:r>
-          </a:p>
-          <a:p>
-            <a:endParaRPr lang="de-DE" dirty="0"/>
-          </a:p>
-          <a:p>
-            <a:r>
-              <a:rPr lang="de-DE" dirty="0"/>
-              <a:t>Frauen Grippe: Zwischen 3.991 und 2.683 verlorene gesunde Jahre</a:t>
+              <a:t>Grippe Frauen: Zwischen 3.991 und 2.683 verlorene gesunde Jahre</a:t>
             </a:r>
           </a:p>
           <a:p>
@@ -8260,7 +8254,7 @@
             </a:r>
             <a:r>
               <a:rPr lang="de-DE" dirty="0"/>
-              <a:t> </a:t>
+              <a:t> Regression</a:t>
             </a:r>
           </a:p>
           <a:p>
@@ -8321,61 +8315,46 @@
           <a:p>
             <a:r>
               <a:rPr lang="de-DE" dirty="0"/>
-              <a:t>BILDER MIKE</a:t>
-            </a:r>
-          </a:p>
-        </p:txBody>
-      </p:sp>
-      <p:sp>
-        <p:nvSpPr>
-          <p:cNvPr id="3" name="Content Placeholder 2">
+              <a:t>Erwartete Tode</a:t>
+            </a:r>
+          </a:p>
+        </p:txBody>
+      </p:sp>
+      <p:pic>
+        <p:nvPicPr>
+          <p:cNvPr id="9" name="Content Placeholder 8">
             <a:extLst>
               <a:ext uri="{FF2B5EF4-FFF2-40B4-BE49-F238E27FC236}">
-                <a16:creationId xmlns:a16="http://schemas.microsoft.com/office/drawing/2014/main" id="{92A96226-A491-434A-947B-9E48ABD286E9}"/>
+                <a16:creationId xmlns:a16="http://schemas.microsoft.com/office/drawing/2014/main" id="{54D90E54-92C2-4272-874B-B6DB04B6E1C8}"/>
               </a:ext>
             </a:extLst>
           </p:cNvPr>
-          <p:cNvSpPr>
-            <a:spLocks noGrp="1"/>
-          </p:cNvSpPr>
+          <p:cNvPicPr>
+            <a:picLocks noGrp="1" noChangeAspect="1"/>
+          </p:cNvPicPr>
           <p:nvPr>
             <p:ph idx="1"/>
           </p:nvPr>
-        </p:nvSpPr>
-        <p:spPr/>
-        <p:txBody>
-          <a:bodyPr/>
-          <a:lstStyle/>
-          <a:p>
-            <a:r>
-              <a:rPr lang="de-DE" dirty="0"/>
-              <a:t>Lineare Regression nicht viel schlechter als Gradient </a:t>
-            </a:r>
-            <a:r>
-              <a:rPr lang="de-DE" dirty="0" err="1"/>
-              <a:t>Boosting</a:t>
-            </a:r>
-            <a:endParaRPr lang="de-DE" dirty="0"/>
-          </a:p>
-          <a:p>
-            <a:r>
-              <a:rPr lang="de-DE" dirty="0"/>
-              <a:t>Um mal was anderes zu machen wird Gradient </a:t>
-            </a:r>
-            <a:r>
-              <a:rPr lang="de-DE" dirty="0" err="1"/>
-              <a:t>Boosting</a:t>
-            </a:r>
-            <a:r>
-              <a:rPr lang="de-DE" dirty="0"/>
-              <a:t> genutzt</a:t>
-            </a:r>
-          </a:p>
-          <a:p>
-            <a:endParaRPr lang="de-DE" dirty="0"/>
-          </a:p>
-        </p:txBody>
-      </p:sp>
+        </p:nvPicPr>
+        <p:blipFill>
+          <a:blip r:embed="rId2">
+            <a:extLst>
+              <a:ext uri="{28A0092B-C50C-407E-A947-70E740481C1C}">
+                <a14:useLocalDpi xmlns:a14="http://schemas.microsoft.com/office/drawing/2010/main" val="0"/>
+              </a:ext>
+            </a:extLst>
+          </a:blip>
+          <a:stretch>
+            <a:fillRect/>
+          </a:stretch>
+        </p:blipFill>
+        <p:spPr>
+          <a:xfrm>
+            <a:off x="884819" y="1330652"/>
+            <a:ext cx="10422361" cy="5214411"/>
+          </a:xfrm>
+        </p:spPr>
+      </p:pic>
     </p:spTree>
     <p:extLst>
       <p:ext uri="{BB962C8B-B14F-4D97-AF65-F5344CB8AC3E}">
@@ -8873,7 +8852,7 @@
           <a:p>
             <a:r>
               <a:rPr lang="de-DE" dirty="0"/>
-              <a:t>Für Männer sind es 64,8 </a:t>
+              <a:t>Für Männer sind es 64,8 gesunde Lebensjahre</a:t>
             </a:r>
           </a:p>
           <a:p>
@@ -8891,7 +8870,7 @@
           <a:p>
             <a:r>
               <a:rPr lang="de-DE" dirty="0"/>
-              <a:t>Minimale vs. Maximale verlorene gesunde Lebenszeit</a:t>
+              <a:t>Minimale vs. maximale verlorene gesunde Lebenszeit</a:t>
             </a:r>
           </a:p>
           <a:p>
@@ -9229,7 +9208,7 @@
           <a:p>
             <a:r>
               <a:rPr lang="de-DE" dirty="0"/>
-              <a:t>Minimale vs. Maximale verlorene gesunde Lebenszeit</a:t>
+              <a:t>Minimale vs. maximale verlorene gesunde Lebenszeit</a:t>
             </a:r>
           </a:p>
           <a:p>
@@ -9238,7 +9217,7 @@
           <a:p>
             <a:r>
               <a:rPr lang="de-DE" dirty="0"/>
-              <a:t>Zwischen 16407 und 8242 verlorenen gesunden Jahren</a:t>
+              <a:t>Zwischen 16.407 und 8.242 verlorenen gesunden Jahren</a:t>
             </a:r>
           </a:p>
           <a:p>

--- a/Präsi/Zwischenstand SW6.pptx
+++ b/Präsi/Zwischenstand SW6.pptx
@@ -8322,10 +8322,10 @@
       </p:sp>
       <p:pic>
         <p:nvPicPr>
-          <p:cNvPr id="9" name="Content Placeholder 8">
+          <p:cNvPr id="6" name="Content Placeholder 5">
             <a:extLst>
               <a:ext uri="{FF2B5EF4-FFF2-40B4-BE49-F238E27FC236}">
-                <a16:creationId xmlns:a16="http://schemas.microsoft.com/office/drawing/2014/main" id="{54D90E54-92C2-4272-874B-B6DB04B6E1C8}"/>
+                <a16:creationId xmlns:a16="http://schemas.microsoft.com/office/drawing/2014/main" id="{79AB75B9-97CC-4B18-897A-B2EE2B48BC51}"/>
               </a:ext>
             </a:extLst>
           </p:cNvPr>
@@ -8350,8 +8350,8 @@
         </p:blipFill>
         <p:spPr>
           <a:xfrm>
-            <a:off x="884819" y="1330652"/>
-            <a:ext cx="10422361" cy="5214411"/>
+            <a:off x="815903" y="1303791"/>
+            <a:ext cx="10560193" cy="5322811"/>
           </a:xfrm>
         </p:spPr>
       </p:pic>
